--- a/DEVASC_200-901_STUDY/Devnet Associate Study Group Kickoff.pptx
+++ b/DEVASC_200-901_STUDY/Devnet Associate Study Group Kickoff.pptx
@@ -8,11 +8,12 @@
     <p:sldId id="256" r:id="rId2"/>
     <p:sldId id="257" r:id="rId3"/>
     <p:sldId id="258" r:id="rId4"/>
-    <p:sldId id="260" r:id="rId5"/>
-    <p:sldId id="259" r:id="rId6"/>
-    <p:sldId id="267" r:id="rId7"/>
-    <p:sldId id="262" r:id="rId8"/>
-    <p:sldId id="261" r:id="rId9"/>
+    <p:sldId id="268" r:id="rId5"/>
+    <p:sldId id="260" r:id="rId6"/>
+    <p:sldId id="259" r:id="rId7"/>
+    <p:sldId id="267" r:id="rId8"/>
+    <p:sldId id="262" r:id="rId9"/>
+    <p:sldId id="261" r:id="rId10"/>
   </p:sldIdLst>
   <p:sldSz cx="12192000" cy="6858000"/>
   <p:notesSz cx="6858000" cy="9144000"/>
@@ -2943,7 +2944,7 @@
               </a14:hiddenLine>
             </a:ext>
             <a:ext uri="{FAA26D3D-D897-4be2-8F04-BA451C77F1D7}">
-              <ma14:placeholderFlag xmlns="" xmlns:ma14="http://schemas.microsoft.com/office/mac/drawingml/2011/main" val="1"/>
+              <ma14:placeholderFlag xmlns:ma14="http://schemas.microsoft.com/office/mac/drawingml/2011/main" xmlns="" val="1"/>
             </a:ext>
           </a:extLst>
         </p:spPr>
@@ -3326,14 +3327,14 @@
           </a:ln>
           <a:extLst>
             <a:ext uri="{909E8E84-426E-40dd-AFC4-6F175D3DCCD1}">
-              <a14:hiddenFill xmlns="" xmlns:a14="http://schemas.microsoft.com/office/drawing/2010/main">
+              <a14:hiddenFill xmlns:a14="http://schemas.microsoft.com/office/drawing/2010/main" xmlns="">
                 <a:solidFill>
                   <a:srgbClr val="FFFFFF"/>
                 </a:solidFill>
               </a14:hiddenFill>
             </a:ext>
             <a:ext uri="{91240B29-F687-4f45-9708-019B960494DF}">
-              <a14:hiddenLine xmlns="" xmlns:a14="http://schemas.microsoft.com/office/drawing/2010/main" w="9525">
+              <a14:hiddenLine xmlns:a14="http://schemas.microsoft.com/office/drawing/2010/main" xmlns="" w="9525">
                 <a:solidFill>
                   <a:srgbClr val="000000"/>
                 </a:solidFill>
@@ -3436,7 +3437,7 @@
               </a14:hiddenLine>
             </a:ext>
             <a:ext uri="{FAA26D3D-D897-4be2-8F04-BA451C77F1D7}">
-              <ma14:placeholderFlag xmlns="" xmlns:ma14="http://schemas.microsoft.com/office/mac/drawingml/2011/main" val="1"/>
+              <ma14:placeholderFlag xmlns:ma14="http://schemas.microsoft.com/office/mac/drawingml/2011/main" xmlns="" val="1"/>
             </a:ext>
           </a:extLst>
         </p:spPr>
@@ -3663,14 +3664,14 @@
           </a:ln>
           <a:extLst>
             <a:ext uri="{909E8E84-426E-40dd-AFC4-6F175D3DCCD1}">
-              <a14:hiddenFill xmlns="" xmlns:a14="http://schemas.microsoft.com/office/drawing/2010/main">
+              <a14:hiddenFill xmlns:a14="http://schemas.microsoft.com/office/drawing/2010/main" xmlns="">
                 <a:solidFill>
                   <a:srgbClr val="FFFFFF"/>
                 </a:solidFill>
               </a14:hiddenFill>
             </a:ext>
             <a:ext uri="{91240B29-F687-4f45-9708-019B960494DF}">
-              <a14:hiddenLine xmlns="" xmlns:a14="http://schemas.microsoft.com/office/drawing/2010/main" w="9525">
+              <a14:hiddenLine xmlns:a14="http://schemas.microsoft.com/office/drawing/2010/main" xmlns="" w="9525">
                 <a:solidFill>
                   <a:srgbClr val="000000"/>
                 </a:solidFill>
@@ -3871,14 +3872,14 @@
           </a:ln>
           <a:extLst>
             <a:ext uri="{909E8E84-426E-40dd-AFC4-6F175D3DCCD1}">
-              <a14:hiddenFill xmlns="" xmlns:a14="http://schemas.microsoft.com/office/drawing/2010/main">
+              <a14:hiddenFill xmlns:a14="http://schemas.microsoft.com/office/drawing/2010/main" xmlns="">
                 <a:solidFill>
                   <a:srgbClr val="FFFFFF"/>
                 </a:solidFill>
               </a14:hiddenFill>
             </a:ext>
             <a:ext uri="{91240B29-F687-4f45-9708-019B960494DF}">
-              <a14:hiddenLine xmlns="" xmlns:a14="http://schemas.microsoft.com/office/drawing/2010/main" w="9525">
+              <a14:hiddenLine xmlns:a14="http://schemas.microsoft.com/office/drawing/2010/main" xmlns="" w="9525">
                 <a:solidFill>
                   <a:srgbClr val="000000"/>
                 </a:solidFill>
@@ -4021,14 +4022,14 @@
           </a:ln>
           <a:extLst>
             <a:ext uri="{909E8E84-426E-40dd-AFC4-6F175D3DCCD1}">
-              <a14:hiddenFill xmlns:a14="http://schemas.microsoft.com/office/drawing/2010/main" xmlns="">
+              <a14:hiddenFill xmlns="" xmlns:a14="http://schemas.microsoft.com/office/drawing/2010/main">
                 <a:solidFill>
                   <a:srgbClr val="FFFFFF"/>
                 </a:solidFill>
               </a14:hiddenFill>
             </a:ext>
             <a:ext uri="{91240B29-F687-4f45-9708-019B960494DF}">
-              <a14:hiddenLine xmlns:a14="http://schemas.microsoft.com/office/drawing/2010/main" xmlns="" w="9525">
+              <a14:hiddenLine xmlns="" xmlns:a14="http://schemas.microsoft.com/office/drawing/2010/main" w="9525">
                 <a:solidFill>
                   <a:srgbClr val="000000"/>
                 </a:solidFill>
@@ -4359,7 +4360,7 @@
               </a14:hiddenLine>
             </a:ext>
             <a:ext uri="{FAA26D3D-D897-4be2-8F04-BA451C77F1D7}">
-              <ma14:placeholderFlag xmlns="" xmlns:ma14="http://schemas.microsoft.com/office/mac/drawingml/2011/main" val="1"/>
+              <ma14:placeholderFlag xmlns:ma14="http://schemas.microsoft.com/office/mac/drawingml/2011/main" xmlns="" val="1"/>
             </a:ext>
           </a:extLst>
         </p:spPr>
@@ -4565,7 +4566,7 @@
           </a:ln>
           <a:extLst>
             <a:ext uri="{FAA26D3D-D897-4be2-8F04-BA451C77F1D7}">
-              <ma14:placeholderFlag xmlns="" xmlns:ma14="http://schemas.microsoft.com/office/mac/drawingml/2011/main" val="1"/>
+              <ma14:placeholderFlag xmlns:ma14="http://schemas.microsoft.com/office/mac/drawingml/2011/main" xmlns="" val="1"/>
             </a:ext>
           </a:extLst>
         </p:spPr>
@@ -4938,7 +4939,7 @@
               </a14:hiddenLine>
             </a:ext>
             <a:ext uri="{FAA26D3D-D897-4be2-8F04-BA451C77F1D7}">
-              <ma14:placeholderFlag xmlns="" xmlns:ma14="http://schemas.microsoft.com/office/mac/drawingml/2011/main" val="1"/>
+              <ma14:placeholderFlag xmlns:ma14="http://schemas.microsoft.com/office/mac/drawingml/2011/main" xmlns="" val="1"/>
             </a:ext>
           </a:extLst>
         </p:spPr>
@@ -5518,7 +5519,7 @@
           </a:ln>
           <a:extLst>
             <a:ext uri="{FAA26D3D-D897-4be2-8F04-BA451C77F1D7}">
-              <ma14:placeholderFlag xmlns="" xmlns:ma14="http://schemas.microsoft.com/office/mac/drawingml/2011/main" val="1"/>
+              <ma14:placeholderFlag xmlns:ma14="http://schemas.microsoft.com/office/mac/drawingml/2011/main" xmlns="" val="1"/>
             </a:ext>
           </a:extLst>
         </p:spPr>
@@ -5825,7 +5826,7 @@
           </a:ln>
           <a:extLst>
             <a:ext uri="{FAA26D3D-D897-4be2-8F04-BA451C77F1D7}">
-              <ma14:placeholderFlag xmlns="" xmlns:ma14="http://schemas.microsoft.com/office/mac/drawingml/2011/main" val="1"/>
+              <ma14:placeholderFlag xmlns:ma14="http://schemas.microsoft.com/office/mac/drawingml/2011/main" xmlns="" val="1"/>
             </a:ext>
           </a:extLst>
         </p:spPr>
@@ -6096,7 +6097,7 @@
           </a:ln>
           <a:extLst>
             <a:ext uri="{FAA26D3D-D897-4be2-8F04-BA451C77F1D7}">
-              <ma14:placeholderFlag xmlns="" xmlns:ma14="http://schemas.microsoft.com/office/mac/drawingml/2011/main" val="1"/>
+              <ma14:placeholderFlag xmlns:ma14="http://schemas.microsoft.com/office/mac/drawingml/2011/main" xmlns="" val="1"/>
             </a:ext>
           </a:extLst>
         </p:spPr>
@@ -6339,7 +6340,7 @@
               </a14:hiddenLine>
             </a:ext>
             <a:ext uri="{FAA26D3D-D897-4be2-8F04-BA451C77F1D7}">
-              <ma14:placeholderFlag xmlns="" xmlns:ma14="http://schemas.microsoft.com/office/mac/drawingml/2011/main" val="1"/>
+              <ma14:placeholderFlag xmlns:ma14="http://schemas.microsoft.com/office/mac/drawingml/2011/main" xmlns="" val="1"/>
             </a:ext>
           </a:extLst>
         </p:spPr>
@@ -6618,7 +6619,7 @@
               </a14:hiddenLine>
             </a:ext>
             <a:ext uri="{FAA26D3D-D897-4be2-8F04-BA451C77F1D7}">
-              <ma14:placeholderFlag xmlns="" xmlns:ma14="http://schemas.microsoft.com/office/mac/drawingml/2011/main" val="1"/>
+              <ma14:placeholderFlag xmlns:ma14="http://schemas.microsoft.com/office/mac/drawingml/2011/main" xmlns="" val="1"/>
             </a:ext>
           </a:extLst>
         </p:spPr>
@@ -6891,7 +6892,7 @@
               </a14:hiddenLine>
             </a:ext>
             <a:ext uri="{FAA26D3D-D897-4be2-8F04-BA451C77F1D7}">
-              <ma14:placeholderFlag xmlns="" xmlns:ma14="http://schemas.microsoft.com/office/mac/drawingml/2011/main" val="1"/>
+              <ma14:placeholderFlag xmlns:ma14="http://schemas.microsoft.com/office/mac/drawingml/2011/main" xmlns="" val="1"/>
             </a:ext>
           </a:extLst>
         </p:spPr>
@@ -9414,7 +9415,7 @@
           <a:p>
             <a:fld id="{08A1CAD1-7C9D-4D48-89B3-0EEE854EBD88}" type="datetimeFigureOut">
               <a:rPr lang="en-US" smtClean="0"/>
-              <a:t>7/28/2020</a:t>
+              <a:t>7/31/2020</a:t>
             </a:fld>
             <a:endParaRPr lang="en-US"/>
           </a:p>
@@ -10608,7 +10609,7 @@
               </a14:hiddenLine>
             </a:ext>
             <a:ext uri="{FAA26D3D-D897-4be2-8F04-BA451C77F1D7}">
-              <ma14:placeholderFlag xmlns="" xmlns:ma14="http://schemas.microsoft.com/office/mac/drawingml/2011/main" val="1"/>
+              <ma14:placeholderFlag xmlns:ma14="http://schemas.microsoft.com/office/mac/drawingml/2011/main" xmlns="" val="1"/>
             </a:ext>
           </a:extLst>
         </p:spPr>
@@ -11930,6 +11931,59 @@
           </a:graphicData>
         </a:graphic>
       </p:graphicFrame>
+      <p:sp>
+        <p:nvSpPr>
+          <p:cNvPr id="5" name="Rectangle 4">
+            <a:extLst>
+              <a:ext uri="{FF2B5EF4-FFF2-40B4-BE49-F238E27FC236}">
+                <a16:creationId xmlns:a16="http://schemas.microsoft.com/office/drawing/2014/main" id="{FEF84815-6DA1-4AD3-8BEB-DBE5B20385FB}"/>
+              </a:ext>
+            </a:extLst>
+          </p:cNvPr>
+          <p:cNvSpPr/>
+          <p:nvPr/>
+        </p:nvSpPr>
+        <p:spPr>
+          <a:xfrm>
+            <a:off x="2939143" y="4141777"/>
+            <a:ext cx="1436914" cy="278904"/>
+          </a:xfrm>
+          <a:prstGeom prst="rect">
+            <a:avLst/>
+          </a:prstGeom>
+          <a:solidFill>
+            <a:schemeClr val="accent1"/>
+          </a:solidFill>
+          <a:ln>
+            <a:noFill/>
+          </a:ln>
+          <a:effectLst/>
+        </p:spPr>
+        <p:style>
+          <a:lnRef idx="2">
+            <a:schemeClr val="accent1">
+              <a:shade val="50000"/>
+            </a:schemeClr>
+          </a:lnRef>
+          <a:fillRef idx="1">
+            <a:schemeClr val="accent1"/>
+          </a:fillRef>
+          <a:effectRef idx="0">
+            <a:schemeClr val="accent1"/>
+          </a:effectRef>
+          <a:fontRef idx="minor">
+            <a:schemeClr val="lt1"/>
+          </a:fontRef>
+        </p:style>
+        <p:txBody>
+          <a:bodyPr rtlCol="0" anchor="ctr"/>
+          <a:lstStyle/>
+          <a:p>
+            <a:pPr algn="ctr"/>
+            <a:endParaRPr lang="en-US" dirty="0"/>
+          </a:p>
+        </p:txBody>
+      </p:sp>
     </p:spTree>
     <p:extLst>
       <p:ext uri="{BB962C8B-B14F-4D97-AF65-F5344CB8AC3E}">
@@ -11965,6 +12019,181 @@
           <p:cNvPr id="2" name="Text Placeholder 1">
             <a:extLst>
               <a:ext uri="{FF2B5EF4-FFF2-40B4-BE49-F238E27FC236}">
+                <a16:creationId xmlns:a16="http://schemas.microsoft.com/office/drawing/2014/main" id="{E4BC2130-4FA3-48CB-93F3-B26DD015B322}"/>
+              </a:ext>
+            </a:extLst>
+          </p:cNvPr>
+          <p:cNvSpPr>
+            <a:spLocks noGrp="1"/>
+          </p:cNvSpPr>
+          <p:nvPr>
+            <p:ph type="body" sz="quarter" idx="10"/>
+          </p:nvPr>
+        </p:nvSpPr>
+        <p:spPr/>
+        <p:txBody>
+          <a:bodyPr/>
+          <a:lstStyle/>
+          <a:p>
+            <a:r>
+              <a:rPr lang="en-US" dirty="0"/>
+              <a:t>Cisco wants us to be developers</a:t>
+            </a:r>
+          </a:p>
+          <a:p>
+            <a:endParaRPr lang="en-US" dirty="0"/>
+          </a:p>
+          <a:p>
+            <a:endParaRPr lang="en-US" dirty="0"/>
+          </a:p>
+          <a:p>
+            <a:r>
+              <a:rPr lang="en-US" dirty="0" err="1"/>
+              <a:t>DevASC</a:t>
+            </a:r>
+            <a:r>
+              <a:rPr lang="en-US" dirty="0"/>
+              <a:t> is programming intense. </a:t>
+            </a:r>
+          </a:p>
+          <a:p>
+            <a:endParaRPr lang="en-US" dirty="0"/>
+          </a:p>
+          <a:p>
+            <a:endParaRPr lang="en-US" dirty="0"/>
+          </a:p>
+          <a:p>
+            <a:r>
+              <a:rPr lang="en-US" dirty="0" err="1"/>
+              <a:t>DevASC</a:t>
+            </a:r>
+            <a:r>
+              <a:rPr lang="en-US" dirty="0"/>
+              <a:t> is not relevant to SE’s</a:t>
+            </a:r>
+          </a:p>
+          <a:p>
+            <a:endParaRPr lang="en-US" dirty="0"/>
+          </a:p>
+        </p:txBody>
+      </p:sp>
+      <p:sp>
+        <p:nvSpPr>
+          <p:cNvPr id="3" name="Title 2">
+            <a:extLst>
+              <a:ext uri="{FF2B5EF4-FFF2-40B4-BE49-F238E27FC236}">
+                <a16:creationId xmlns:a16="http://schemas.microsoft.com/office/drawing/2014/main" id="{51D1D91B-1B56-4F34-BFEB-71053A664199}"/>
+              </a:ext>
+            </a:extLst>
+          </p:cNvPr>
+          <p:cNvSpPr>
+            <a:spLocks noGrp="1"/>
+          </p:cNvSpPr>
+          <p:nvPr>
+            <p:ph type="title"/>
+          </p:nvPr>
+        </p:nvSpPr>
+        <p:spPr/>
+        <p:txBody>
+          <a:bodyPr/>
+          <a:lstStyle/>
+          <a:p>
+            <a:r>
+              <a:rPr lang="en-US" dirty="0" err="1"/>
+              <a:t>Mythbusters</a:t>
+            </a:r>
+            <a:endParaRPr lang="en-US" dirty="0"/>
+          </a:p>
+        </p:txBody>
+      </p:sp>
+      <p:sp>
+        <p:nvSpPr>
+          <p:cNvPr id="4" name="Rectangle 3">
+            <a:extLst>
+              <a:ext uri="{FF2B5EF4-FFF2-40B4-BE49-F238E27FC236}">
+                <a16:creationId xmlns:a16="http://schemas.microsoft.com/office/drawing/2014/main" id="{A2BBD8A3-9FD4-475A-B9AE-8F259D1B2580}"/>
+              </a:ext>
+            </a:extLst>
+          </p:cNvPr>
+          <p:cNvSpPr/>
+          <p:nvPr/>
+        </p:nvSpPr>
+        <p:spPr>
+          <a:xfrm>
+            <a:off x="616402" y="5609599"/>
+            <a:ext cx="6194946" cy="1024466"/>
+          </a:xfrm>
+          <a:prstGeom prst="rect">
+            <a:avLst/>
+          </a:prstGeom>
+          <a:solidFill>
+            <a:schemeClr val="accent1"/>
+          </a:solidFill>
+          <a:ln>
+            <a:noFill/>
+          </a:ln>
+          <a:effectLst/>
+        </p:spPr>
+        <p:style>
+          <a:lnRef idx="2">
+            <a:schemeClr val="accent1">
+              <a:shade val="50000"/>
+            </a:schemeClr>
+          </a:lnRef>
+          <a:fillRef idx="1">
+            <a:schemeClr val="accent1"/>
+          </a:fillRef>
+          <a:effectRef idx="0">
+            <a:schemeClr val="accent1"/>
+          </a:effectRef>
+          <a:fontRef idx="minor">
+            <a:schemeClr val="lt1"/>
+          </a:fontRef>
+        </p:style>
+        <p:txBody>
+          <a:bodyPr rtlCol="0" anchor="ctr"/>
+          <a:lstStyle/>
+          <a:p>
+            <a:pPr algn="ctr"/>
+            <a:endParaRPr lang="en-US" dirty="0"/>
+          </a:p>
+        </p:txBody>
+      </p:sp>
+    </p:spTree>
+    <p:extLst>
+      <p:ext uri="{BB962C8B-B14F-4D97-AF65-F5344CB8AC3E}">
+        <p14:creationId xmlns:p14="http://schemas.microsoft.com/office/powerpoint/2010/main" val="2003734207"/>
+      </p:ext>
+    </p:extLst>
+  </p:cSld>
+  <p:clrMapOvr>
+    <a:masterClrMapping/>
+  </p:clrMapOvr>
+</p:sld>
+</file>
+
+<file path=ppt/slides/slide5.xml><?xml version="1.0" encoding="utf-8"?>
+<p:sld xmlns:a="http://schemas.openxmlformats.org/drawingml/2006/main" xmlns:r="http://schemas.openxmlformats.org/officeDocument/2006/relationships" xmlns:p="http://schemas.openxmlformats.org/presentationml/2006/main">
+  <p:cSld>
+    <p:spTree>
+      <p:nvGrpSpPr>
+        <p:cNvPr id="1" name=""/>
+        <p:cNvGrpSpPr/>
+        <p:nvPr/>
+      </p:nvGrpSpPr>
+      <p:grpSpPr>
+        <a:xfrm>
+          <a:off x="0" y="0"/>
+          <a:ext cx="0" cy="0"/>
+          <a:chOff x="0" y="0"/>
+          <a:chExt cx="0" cy="0"/>
+        </a:xfrm>
+      </p:grpSpPr>
+      <p:sp>
+        <p:nvSpPr>
+          <p:cNvPr id="2" name="Text Placeholder 1">
+            <a:extLst>
+              <a:ext uri="{FF2B5EF4-FFF2-40B4-BE49-F238E27FC236}">
                 <a16:creationId xmlns:a16="http://schemas.microsoft.com/office/drawing/2014/main" id="{D1FE9F00-DD6B-43C2-A90E-DD3EF64AF3C8}"/>
               </a:ext>
             </a:extLst>
@@ -11976,7 +12205,12 @@
             <p:ph type="body" sz="quarter" idx="10"/>
           </p:nvPr>
         </p:nvSpPr>
-        <p:spPr/>
+        <p:spPr>
+          <a:xfrm>
+            <a:off x="629116" y="1574325"/>
+            <a:ext cx="11036459" cy="4519083"/>
+          </a:xfrm>
+        </p:spPr>
         <p:txBody>
           <a:bodyPr/>
           <a:lstStyle/>
@@ -12063,8 +12297,8 @@
         </p:nvSpPr>
         <p:spPr>
           <a:xfrm>
-            <a:off x="5379395" y="6106966"/>
-            <a:ext cx="486383" cy="371766"/>
+            <a:off x="10828651" y="2687216"/>
+            <a:ext cx="2700915" cy="3770087"/>
           </a:xfrm>
           <a:prstGeom prst="rect">
             <a:avLst/>
@@ -12115,7 +12349,7 @@
 </p:sld>
 </file>
 
-<file path=ppt/slides/slide5.xml><?xml version="1.0" encoding="utf-8"?>
+<file path=ppt/slides/slide6.xml><?xml version="1.0" encoding="utf-8"?>
 <p:sld xmlns:a="http://schemas.openxmlformats.org/drawingml/2006/main" xmlns:r="http://schemas.openxmlformats.org/officeDocument/2006/relationships" xmlns:p="http://schemas.openxmlformats.org/presentationml/2006/main">
   <p:cSld>
     <p:spTree>
@@ -12168,6 +12402,13 @@
             <a:r>
               <a:rPr lang="en-US" dirty="0"/>
               <a:t>Teams room</a:t>
+            </a:r>
+          </a:p>
+          <a:p>
+            <a:pPr lvl="1"/>
+            <a:r>
+              <a:rPr lang="en-US" dirty="0"/>
+              <a:t>Digital learning</a:t>
             </a:r>
           </a:p>
           <a:p>
@@ -12641,6 +12882,59 @@
           </a:graphicData>
         </a:graphic>
       </p:graphicFrame>
+      <p:sp>
+        <p:nvSpPr>
+          <p:cNvPr id="5" name="Rectangle 4">
+            <a:extLst>
+              <a:ext uri="{FF2B5EF4-FFF2-40B4-BE49-F238E27FC236}">
+                <a16:creationId xmlns:a16="http://schemas.microsoft.com/office/drawing/2014/main" id="{6C87E04F-69D4-4981-BBA4-22DA4ED10D35}"/>
+              </a:ext>
+            </a:extLst>
+          </p:cNvPr>
+          <p:cNvSpPr/>
+          <p:nvPr/>
+        </p:nvSpPr>
+        <p:spPr>
+          <a:xfrm>
+            <a:off x="929483" y="4702629"/>
+            <a:ext cx="3511888" cy="652689"/>
+          </a:xfrm>
+          <a:prstGeom prst="rect">
+            <a:avLst/>
+          </a:prstGeom>
+          <a:solidFill>
+            <a:schemeClr val="accent1"/>
+          </a:solidFill>
+          <a:ln>
+            <a:noFill/>
+          </a:ln>
+          <a:effectLst/>
+        </p:spPr>
+        <p:style>
+          <a:lnRef idx="2">
+            <a:schemeClr val="accent1">
+              <a:shade val="50000"/>
+            </a:schemeClr>
+          </a:lnRef>
+          <a:fillRef idx="1">
+            <a:schemeClr val="accent1"/>
+          </a:fillRef>
+          <a:effectRef idx="0">
+            <a:schemeClr val="accent1"/>
+          </a:effectRef>
+          <a:fontRef idx="minor">
+            <a:schemeClr val="lt1"/>
+          </a:fontRef>
+        </p:style>
+        <p:txBody>
+          <a:bodyPr rtlCol="0" anchor="ctr"/>
+          <a:lstStyle/>
+          <a:p>
+            <a:pPr algn="ctr"/>
+            <a:endParaRPr lang="en-US" dirty="0"/>
+          </a:p>
+        </p:txBody>
+      </p:sp>
     </p:spTree>
     <p:extLst>
       <p:ext uri="{BB962C8B-B14F-4D97-AF65-F5344CB8AC3E}">
@@ -12654,7 +12948,7 @@
 </p:sld>
 </file>
 
-<file path=ppt/slides/slide6.xml><?xml version="1.0" encoding="utf-8"?>
+<file path=ppt/slides/slide7.xml><?xml version="1.0" encoding="utf-8"?>
 <p:sld xmlns:a="http://schemas.openxmlformats.org/drawingml/2006/main" xmlns:r="http://schemas.openxmlformats.org/officeDocument/2006/relationships" xmlns:p="http://schemas.openxmlformats.org/presentationml/2006/main">
   <p:cSld>
     <p:spTree>
@@ -12729,6 +13023,59 @@
           </a:prstGeom>
         </p:spPr>
       </p:pic>
+      <p:sp>
+        <p:nvSpPr>
+          <p:cNvPr id="2" name="Rectangle 1">
+            <a:extLst>
+              <a:ext uri="{FF2B5EF4-FFF2-40B4-BE49-F238E27FC236}">
+                <a16:creationId xmlns:a16="http://schemas.microsoft.com/office/drawing/2014/main" id="{2495F8F2-87CA-4FA4-AC80-BB1E41FADC81}"/>
+              </a:ext>
+            </a:extLst>
+          </p:cNvPr>
+          <p:cNvSpPr/>
+          <p:nvPr/>
+        </p:nvSpPr>
+        <p:spPr>
+          <a:xfrm>
+            <a:off x="4986339" y="3552826"/>
+            <a:ext cx="1214437" cy="1276350"/>
+          </a:xfrm>
+          <a:prstGeom prst="rect">
+            <a:avLst/>
+          </a:prstGeom>
+          <a:solidFill>
+            <a:schemeClr val="accent1"/>
+          </a:solidFill>
+          <a:ln>
+            <a:noFill/>
+          </a:ln>
+          <a:effectLst/>
+        </p:spPr>
+        <p:style>
+          <a:lnRef idx="2">
+            <a:schemeClr val="accent1">
+              <a:shade val="50000"/>
+            </a:schemeClr>
+          </a:lnRef>
+          <a:fillRef idx="1">
+            <a:schemeClr val="accent1"/>
+          </a:fillRef>
+          <a:effectRef idx="0">
+            <a:schemeClr val="accent1"/>
+          </a:effectRef>
+          <a:fontRef idx="minor">
+            <a:schemeClr val="lt1"/>
+          </a:fontRef>
+        </p:style>
+        <p:txBody>
+          <a:bodyPr rtlCol="0" anchor="ctr"/>
+          <a:lstStyle/>
+          <a:p>
+            <a:pPr algn="ctr"/>
+            <a:endParaRPr lang="en-US" dirty="0"/>
+          </a:p>
+        </p:txBody>
+      </p:sp>
     </p:spTree>
     <p:extLst>
       <p:ext uri="{BB962C8B-B14F-4D97-AF65-F5344CB8AC3E}">
@@ -12742,7 +13089,7 @@
 </p:sld>
 </file>
 
-<file path=ppt/slides/slide7.xml><?xml version="1.0" encoding="utf-8"?>
+<file path=ppt/slides/slide8.xml><?xml version="1.0" encoding="utf-8"?>
 <p:sld xmlns:a="http://schemas.openxmlformats.org/drawingml/2006/main" xmlns:r="http://schemas.openxmlformats.org/officeDocument/2006/relationships" xmlns:p="http://schemas.openxmlformats.org/presentationml/2006/main">
   <p:cSld>
     <p:spTree>
@@ -12813,11 +13160,7 @@
             </a:r>
             <a:r>
               <a:rPr lang="en-US" dirty="0"/>
-              <a:t> </a:t>
-            </a:r>
-            <a:r>
-              <a:rPr lang="en-US"/>
-              <a:t>teams space</a:t>
+              <a:t> teams space</a:t>
             </a:r>
           </a:p>
           <a:p>
@@ -12866,7 +13209,7 @@
 </p:sld>
 </file>
 
-<file path=ppt/slides/slide8.xml><?xml version="1.0" encoding="utf-8"?>
+<file path=ppt/slides/slide9.xml><?xml version="1.0" encoding="utf-8"?>
 <p:sld xmlns:a="http://schemas.openxmlformats.org/drawingml/2006/main" xmlns:r="http://schemas.openxmlformats.org/officeDocument/2006/relationships" xmlns:p="http://schemas.openxmlformats.org/presentationml/2006/main">
   <p:cSld>
     <p:spTree>
@@ -12904,7 +13247,78 @@
           <a:bodyPr/>
           <a:lstStyle/>
           <a:p>
-            <a:endParaRPr lang="en-US"/>
+            <a:r>
+              <a:rPr lang="en-US" dirty="0"/>
+              <a:t>Good to have, for quick work, any practice…</a:t>
+            </a:r>
+          </a:p>
+          <a:p>
+            <a:pPr lvl="1"/>
+            <a:r>
+              <a:rPr lang="en-US" dirty="0"/>
+              <a:t>Linux base commands </a:t>
+            </a:r>
+          </a:p>
+          <a:p>
+            <a:pPr lvl="1"/>
+            <a:r>
+              <a:rPr lang="en-US" dirty="0"/>
+              <a:t>Bash</a:t>
+            </a:r>
+          </a:p>
+          <a:p>
+            <a:pPr lvl="1"/>
+            <a:r>
+              <a:rPr lang="en-US" dirty="0" err="1"/>
+              <a:t>Github</a:t>
+            </a:r>
+            <a:endParaRPr lang="en-US" dirty="0"/>
+          </a:p>
+          <a:p>
+            <a:pPr lvl="1"/>
+            <a:r>
+              <a:rPr lang="en-US" dirty="0"/>
+              <a:t>Simple Python</a:t>
+            </a:r>
+          </a:p>
+          <a:p>
+            <a:pPr lvl="1"/>
+            <a:r>
+              <a:rPr lang="en-US" dirty="0" err="1"/>
+              <a:t>Sanbox</a:t>
+            </a:r>
+            <a:r>
+              <a:rPr lang="en-US" dirty="0"/>
+              <a:t> API’s</a:t>
+            </a:r>
+          </a:p>
+          <a:p>
+            <a:r>
+              <a:rPr lang="en-US" dirty="0"/>
+              <a:t>Linux based (windows can work but is, not optimal)</a:t>
+            </a:r>
+          </a:p>
+          <a:p>
+            <a:pPr lvl="1"/>
+            <a:r>
+              <a:rPr lang="en-US" dirty="0"/>
+              <a:t>Raspberry Pi</a:t>
+            </a:r>
+          </a:p>
+          <a:p>
+            <a:pPr lvl="1"/>
+            <a:r>
+              <a:rPr lang="en-US" dirty="0" err="1"/>
+              <a:t>Dcloud</a:t>
+            </a:r>
+            <a:endParaRPr lang="en-US" dirty="0"/>
+          </a:p>
+          <a:p>
+            <a:pPr lvl="1"/>
+            <a:r>
+              <a:rPr lang="en-US" dirty="0"/>
+              <a:t>VM</a:t>
+            </a:r>
           </a:p>
         </p:txBody>
       </p:sp>
@@ -12931,17 +13345,17 @@
           <a:p>
             <a:r>
               <a:rPr lang="en-US" dirty="0"/>
-              <a:t>First part of training </a:t>
+              <a:t>Environment</a:t>
             </a:r>
           </a:p>
         </p:txBody>
       </p:sp>
       <p:sp>
         <p:nvSpPr>
-          <p:cNvPr id="4" name="Rectangle 3">
+          <p:cNvPr id="5" name="Rectangle 4">
             <a:extLst>
               <a:ext uri="{FF2B5EF4-FFF2-40B4-BE49-F238E27FC236}">
-                <a16:creationId xmlns:a16="http://schemas.microsoft.com/office/drawing/2014/main" id="{5C6F4EEF-DE5D-42E3-A974-72A0B7C4790E}"/>
+                <a16:creationId xmlns:a16="http://schemas.microsoft.com/office/drawing/2014/main" id="{A6CA8A5E-64A7-4E2F-AFA2-22313CAEBBD1}"/>
               </a:ext>
             </a:extLst>
           </p:cNvPr>
@@ -12950,172 +13364,42 @@
         </p:nvSpPr>
         <p:spPr>
           <a:xfrm>
-            <a:off x="2362200" y="2513377"/>
-            <a:ext cx="6096000" cy="2308324"/>
+            <a:off x="2598420" y="5173980"/>
+            <a:ext cx="2514600" cy="464820"/>
           </a:xfrm>
           <a:prstGeom prst="rect">
             <a:avLst/>
           </a:prstGeom>
+          <a:solidFill>
+            <a:schemeClr val="accent1"/>
+          </a:solidFill>
+          <a:ln>
+            <a:noFill/>
+          </a:ln>
+          <a:effectLst/>
         </p:spPr>
+        <p:style>
+          <a:lnRef idx="2">
+            <a:schemeClr val="accent1">
+              <a:shade val="50000"/>
+            </a:schemeClr>
+          </a:lnRef>
+          <a:fillRef idx="1">
+            <a:schemeClr val="accent1"/>
+          </a:fillRef>
+          <a:effectRef idx="0">
+            <a:schemeClr val="accent1"/>
+          </a:effectRef>
+          <a:fontRef idx="minor">
+            <a:schemeClr val="lt1"/>
+          </a:fontRef>
+        </p:style>
         <p:txBody>
-          <a:bodyPr>
-            <a:spAutoFit/>
-          </a:bodyPr>
+          <a:bodyPr rtlCol="0" anchor="ctr"/>
           <a:lstStyle/>
           <a:p>
-            <a:pPr>
-              <a:buFont typeface="Arial" panose="020B0604020202020204" pitchFamily="34" charset="0"/>
-              <a:buChar char="•"/>
-            </a:pPr>
-            <a:r>
-              <a:rPr lang="en-US" dirty="0">
-                <a:solidFill>
-                  <a:srgbClr val="049FD9"/>
-                </a:solidFill>
-                <a:latin typeface="CiscoSans"/>
-                <a:hlinkClick r:id="rId2"/>
-              </a:rPr>
-              <a:t>What is a Development Environment and why do you need one?</a:t>
-            </a:r>
-            <a:endParaRPr lang="en-US" dirty="0">
-              <a:solidFill>
-                <a:srgbClr val="049FD9"/>
-              </a:solidFill>
-              <a:latin typeface="CiscoSans"/>
-            </a:endParaRPr>
-          </a:p>
-          <a:p>
-            <a:pPr>
-              <a:buFont typeface="Arial" panose="020B0604020202020204" pitchFamily="34" charset="0"/>
-              <a:buChar char="•"/>
-            </a:pPr>
-            <a:r>
-              <a:rPr lang="en-US" dirty="0">
-                <a:solidFill>
-                  <a:srgbClr val="049FD9"/>
-                </a:solidFill>
-                <a:latin typeface="CiscoSans"/>
-                <a:hlinkClick r:id="rId3"/>
-              </a:rPr>
-              <a:t>A brief introduction to Git</a:t>
-            </a:r>
-            <a:endParaRPr lang="en-US" dirty="0">
-              <a:solidFill>
-                <a:srgbClr val="049FD9"/>
-              </a:solidFill>
-              <a:latin typeface="CiscoSans"/>
-            </a:endParaRPr>
-          </a:p>
-          <a:p>
-            <a:pPr>
-              <a:buFont typeface="Arial" panose="020B0604020202020204" pitchFamily="34" charset="0"/>
-              <a:buChar char="•"/>
-            </a:pPr>
-            <a:r>
-              <a:rPr lang="en-US" dirty="0">
-                <a:solidFill>
-                  <a:srgbClr val="0088BD"/>
-                </a:solidFill>
-                <a:latin typeface="CiscoSans"/>
-                <a:hlinkClick r:id="rId4"/>
-              </a:rPr>
-              <a:t>Intro to Python Part 1</a:t>
-            </a:r>
-            <a:endParaRPr lang="en-US" dirty="0">
-              <a:solidFill>
-                <a:srgbClr val="049FD9"/>
-              </a:solidFill>
-              <a:latin typeface="CiscoSans"/>
-            </a:endParaRPr>
-          </a:p>
-          <a:p>
-            <a:pPr>
-              <a:buFont typeface="Arial" panose="020B0604020202020204" pitchFamily="34" charset="0"/>
-              <a:buChar char="•"/>
-            </a:pPr>
-            <a:r>
-              <a:rPr lang="en-US" dirty="0">
-                <a:solidFill>
-                  <a:srgbClr val="049FD9"/>
-                </a:solidFill>
-                <a:latin typeface="CiscoSans"/>
-                <a:hlinkClick r:id="rId5"/>
-              </a:rPr>
-              <a:t>Intro to Python Part 2</a:t>
-            </a:r>
-            <a:endParaRPr lang="en-US" dirty="0">
-              <a:solidFill>
-                <a:srgbClr val="049FD9"/>
-              </a:solidFill>
-              <a:latin typeface="CiscoSans"/>
-            </a:endParaRPr>
-          </a:p>
-          <a:p>
-            <a:pPr>
-              <a:buFont typeface="Arial" panose="020B0604020202020204" pitchFamily="34" charset="0"/>
-              <a:buChar char="•"/>
-            </a:pPr>
-            <a:r>
-              <a:rPr lang="en-US" dirty="0">
-                <a:solidFill>
-                  <a:srgbClr val="049FD9"/>
-                </a:solidFill>
-                <a:latin typeface="CiscoSans"/>
-                <a:hlinkClick r:id="rId6"/>
-              </a:rPr>
-              <a:t>Coding 202: Parsing JSON using Python</a:t>
-            </a:r>
-            <a:endParaRPr lang="en-US" dirty="0">
-              <a:solidFill>
-                <a:srgbClr val="049FD9"/>
-              </a:solidFill>
-              <a:latin typeface="CiscoSans"/>
-            </a:endParaRPr>
-          </a:p>
-          <a:p>
-            <a:pPr>
-              <a:buFont typeface="Arial" panose="020B0604020202020204" pitchFamily="34" charset="0"/>
-              <a:buChar char="•"/>
-            </a:pPr>
-            <a:r>
-              <a:rPr lang="en-US" dirty="0">
-                <a:solidFill>
-                  <a:srgbClr val="049FD9"/>
-                </a:solidFill>
-                <a:latin typeface="CiscoSans"/>
-                <a:hlinkClick r:id="rId7"/>
-              </a:rPr>
-              <a:t>Introduction to XML</a:t>
-            </a:r>
-            <a:endParaRPr lang="en-US" dirty="0">
-              <a:solidFill>
-                <a:srgbClr val="049FD9"/>
-              </a:solidFill>
-              <a:latin typeface="CiscoSans"/>
-            </a:endParaRPr>
-          </a:p>
-          <a:p>
-            <a:pPr>
-              <a:buFont typeface="Arial" panose="020B0604020202020204" pitchFamily="34" charset="0"/>
-              <a:buChar char="•"/>
-            </a:pPr>
-            <a:r>
-              <a:rPr lang="en-US" dirty="0">
-                <a:solidFill>
-                  <a:srgbClr val="049FD9"/>
-                </a:solidFill>
-                <a:latin typeface="CiscoSans"/>
-                <a:hlinkClick r:id="rId8"/>
-              </a:rPr>
-              <a:t>Introduction to the Guest Shell</a:t>
-            </a:r>
-            <a:endParaRPr lang="en-US" b="0" i="0" dirty="0">
-              <a:solidFill>
-                <a:srgbClr val="049FD9"/>
-              </a:solidFill>
-              <a:effectLst/>
-              <a:latin typeface="CiscoSans"/>
-            </a:endParaRPr>
+            <a:pPr algn="ctr"/>
+            <a:endParaRPr lang="en-US" dirty="0"/>
           </a:p>
         </p:txBody>
       </p:sp>
